--- a/Joldescu Petronel _ prezentare.pptx
+++ b/Joldescu Petronel _ prezentare.pptx
@@ -6353,8 +6353,8 @@
               <a:buChar char="-"/>
             </a:pPr>
             <a:r>
-              <a:rPr lang="en-US" dirty="0"/>
-              <a:t>https://github.com/CatalinPJ/CoqLicense</a:t>
+              <a:rPr lang="en-US"/>
+              <a:t>https://github.com/CatalinPJ/Licenta2018JoldescuCatalinPetronel</a:t>
             </a:r>
             <a:endParaRPr dirty="0"/>
           </a:p>
@@ -6741,7 +6741,6 @@
               <a:rPr lang="en-US" dirty="0" smtClean="0"/>
               <a:t> </a:t>
             </a:r>
-            <a:endParaRPr lang="en-US" dirty="0" smtClean="0"/>
           </a:p>
         </p:txBody>
       </p:sp>
@@ -7074,15 +7073,7 @@
           <a:p>
             <a:r>
               <a:rPr lang="ro-RO" dirty="0" smtClean="0"/>
-              <a:t>Scrierea </a:t>
-            </a:r>
-            <a:r>
-              <a:rPr lang="ro-RO" dirty="0" smtClean="0"/>
-              <a:t>lemelor și a </a:t>
-            </a:r>
-            <a:r>
-              <a:rPr lang="ro-RO" dirty="0" smtClean="0"/>
-              <a:t>demonstrațiilo</a:t>
+              <a:t>Scrierea lemelor și a demonstrațiilo</a:t>
             </a:r>
             <a:r>
               <a:rPr lang="en-US" smtClean="0"/>
